--- a/Git&Github.pptx
+++ b/Git&Github.pptx
@@ -5,10 +5,10 @@
     <p:sldMasterId id="2147483648" r:id="rId4"/>
   </p:sldMasterIdLst>
   <p:notesMasterIdLst>
-    <p:notesMasterId r:id="rId47"/>
+    <p:notesMasterId r:id="rId48"/>
   </p:notesMasterIdLst>
   <p:handoutMasterIdLst>
-    <p:handoutMasterId r:id="rId48"/>
+    <p:handoutMasterId r:id="rId49"/>
   </p:handoutMasterIdLst>
   <p:sldIdLst>
     <p:sldId id="258" r:id="rId5"/>
@@ -52,7 +52,8 @@
     <p:sldId id="305" r:id="rId43"/>
     <p:sldId id="309" r:id="rId44"/>
     <p:sldId id="306" r:id="rId45"/>
-    <p:sldId id="307" r:id="rId46"/>
+    <p:sldId id="310" r:id="rId46"/>
+    <p:sldId id="307" r:id="rId47"/>
   </p:sldIdLst>
   <p:sldSz cx="12192000" cy="6858000"/>
   <p:notesSz cx="6858000" cy="9144000"/>
@@ -256,7 +257,7 @@
           <a:p>
             <a:fld id="{FFBE2AAA-2CC7-4F9C-A8C6-8B9F2A3E9EF0}" type="datetimeFigureOut">
               <a:rPr lang="en-US" smtClean="0"/>
-              <a:t>14/09/2021</a:t>
+              <a:t>15/09/2021</a:t>
             </a:fld>
             <a:endParaRPr lang="en-US" dirty="0"/>
           </a:p>
@@ -8493,13 +8494,13 @@
   <p:clrMapOvr>
     <a:masterClrMapping/>
   </p:clrMapOvr>
-  <mc:AlternateContent xmlns:mc="http://schemas.openxmlformats.org/markup-compatibility/2006">
-    <mc:Choice xmlns:p14="http://schemas.microsoft.com/office/powerpoint/2010/main" Requires="p14">
+  <mc:AlternateContent xmlns:mc="http://schemas.openxmlformats.org/markup-compatibility/2006" xmlns:p14="http://schemas.microsoft.com/office/powerpoint/2010/main">
+    <mc:Choice Requires="p14">
       <p:transition spd="med" p14:dur="700">
         <p:fade/>
       </p:transition>
     </mc:Choice>
-    <mc:Fallback>
+    <mc:Fallback xmlns="">
       <p:transition spd="med">
         <p:fade/>
       </p:transition>
@@ -10687,7 +10688,7 @@
             </a:pPr>
             <a:r>
               <a:rPr lang="en-US" sz="3200" dirty="0"/>
-              <a:t>Git remove add origin http://......</a:t>
+              <a:t>Git remote add origin http://......</a:t>
             </a:r>
           </a:p>
           <a:p>
@@ -11018,9 +11019,11 @@
           <a:lstStyle/>
           <a:p>
             <a:r>
-              <a:rPr lang="en-US" sz="4400" dirty="0">
+              <a:rPr lang="en-US" sz="4400" b="1" dirty="0">
                 <a:solidFill>
-                  <a:srgbClr val="FF0000"/>
+                  <a:schemeClr val="accent2">
+                    <a:lumMod val="75000"/>
+                  </a:schemeClr>
                 </a:solidFill>
               </a:rPr>
               <a:t>Clone Data</a:t>
@@ -11042,8 +11045,8 @@
         </p:nvSpPr>
         <p:spPr>
           <a:xfrm>
-            <a:off x="2552700" y="1447800"/>
-            <a:ext cx="7086600" cy="2554545"/>
+            <a:off x="2438400" y="2209800"/>
+            <a:ext cx="7315200" cy="1077218"/>
           </a:xfrm>
           <a:prstGeom prst="rect">
             <a:avLst/>
@@ -11061,50 +11064,24 @@
               <a:buChar char="q"/>
             </a:pPr>
             <a:r>
-              <a:rPr lang="en-US" sz="3200" dirty="0"/>
+              <a:rPr lang="en-US" sz="3200" b="1" dirty="0">
+                <a:solidFill>
+                  <a:schemeClr val="accent2">
+                    <a:lumMod val="75000"/>
+                  </a:schemeClr>
+                </a:solidFill>
+              </a:rPr>
               <a:t>Git clone link</a:t>
             </a:r>
           </a:p>
           <a:p>
-            <a:pPr marL="285750" indent="-285750">
-              <a:buFont typeface="Wingdings" panose="05000000000000000000" pitchFamily="2" charset="2"/>
-              <a:buChar char="q"/>
-            </a:pPr>
-            <a:r>
-              <a:rPr lang="en-US" sz="3200" dirty="0"/>
-              <a:t>Cd </a:t>
-            </a:r>
-            <a:r>
-              <a:rPr lang="vi-VN" sz="3200" dirty="0"/>
-              <a:t>Ten_Repository</a:t>
-            </a:r>
-          </a:p>
-          <a:p>
-            <a:pPr marL="285750" indent="-285750">
-              <a:buFont typeface="Wingdings" panose="05000000000000000000" pitchFamily="2" charset="2"/>
-              <a:buChar char="q"/>
-            </a:pPr>
-            <a:r>
-              <a:rPr lang="en-US" sz="3200" dirty="0"/>
-              <a:t>……</a:t>
-            </a:r>
-          </a:p>
-          <a:p>
-            <a:pPr marL="285750" indent="-285750">
-              <a:buFont typeface="Wingdings" panose="05000000000000000000" pitchFamily="2" charset="2"/>
-              <a:buChar char="q"/>
-            </a:pPr>
-            <a:r>
-              <a:rPr lang="en-US" sz="3200" dirty="0"/>
-              <a:t>Git pull origin master</a:t>
-            </a:r>
-          </a:p>
-          <a:p>
-            <a:pPr marL="285750" indent="-285750">
-              <a:buFont typeface="Wingdings" panose="05000000000000000000" pitchFamily="2" charset="2"/>
-              <a:buChar char="q"/>
-            </a:pPr>
-            <a:endParaRPr lang="en-US" sz="3200" dirty="0"/>
+            <a:endParaRPr lang="en-US" sz="3200" b="1" dirty="0">
+              <a:solidFill>
+                <a:schemeClr val="accent2">
+                  <a:lumMod val="75000"/>
+                </a:schemeClr>
+              </a:solidFill>
+            </a:endParaRPr>
           </a:p>
         </p:txBody>
       </p:sp>
@@ -24117,13 +24094,13 @@
   <p:clrMapOvr>
     <a:masterClrMapping/>
   </p:clrMapOvr>
-  <mc:AlternateContent xmlns:mc="http://schemas.openxmlformats.org/markup-compatibility/2006">
-    <mc:Choice xmlns:p14="http://schemas.microsoft.com/office/powerpoint/2010/main" Requires="p14">
+  <mc:AlternateContent xmlns:mc="http://schemas.openxmlformats.org/markup-compatibility/2006" xmlns:p14="http://schemas.microsoft.com/office/powerpoint/2010/main">
+    <mc:Choice Requires="p14">
       <p:transition spd="med" p14:dur="700">
         <p:fade/>
       </p:transition>
     </mc:Choice>
-    <mc:Fallback>
+    <mc:Fallback xmlns="">
       <p:transition spd="med">
         <p:fade/>
       </p:transition>
@@ -24205,6 +24182,233 @@
 </file>
 
 <file path=ppt/slides/slide42.xml><?xml version="1.0" encoding="utf-8"?>
+<p:sld xmlns:a="http://schemas.openxmlformats.org/drawingml/2006/main" xmlns:r="http://schemas.openxmlformats.org/officeDocument/2006/relationships" xmlns:p="http://schemas.openxmlformats.org/presentationml/2006/main">
+  <p:cSld>
+    <p:spTree>
+      <p:nvGrpSpPr>
+        <p:cNvPr id="1" name=""/>
+        <p:cNvGrpSpPr/>
+        <p:nvPr/>
+      </p:nvGrpSpPr>
+      <p:grpSpPr>
+        <a:xfrm>
+          <a:off x="0" y="0"/>
+          <a:ext cx="0" cy="0"/>
+          <a:chOff x="0" y="0"/>
+          <a:chExt cx="0" cy="0"/>
+        </a:xfrm>
+      </p:grpSpPr>
+      <p:sp>
+        <p:nvSpPr>
+          <p:cNvPr id="2" name="TextBox 1">
+            <a:extLst>
+              <a:ext uri="{FF2B5EF4-FFF2-40B4-BE49-F238E27FC236}">
+                <a16:creationId xmlns:a16="http://schemas.microsoft.com/office/drawing/2014/main" id="{D19E8EF5-67C5-4ADE-BC95-863B8BC53961}"/>
+              </a:ext>
+            </a:extLst>
+          </p:cNvPr>
+          <p:cNvSpPr txBox="1"/>
+          <p:nvPr/>
+        </p:nvSpPr>
+        <p:spPr>
+          <a:xfrm>
+            <a:off x="1447800" y="2613392"/>
+            <a:ext cx="9829800" cy="1631216"/>
+          </a:xfrm>
+          <a:prstGeom prst="rect">
+            <a:avLst/>
+          </a:prstGeom>
+          <a:noFill/>
+        </p:spPr>
+        <p:txBody>
+          <a:bodyPr wrap="square" rtlCol="0">
+            <a:spAutoFit/>
+          </a:bodyPr>
+          <a:lstStyle/>
+          <a:p>
+            <a:r>
+              <a:rPr lang="vi-VN" sz="2500" b="1" dirty="0">
+                <a:solidFill>
+                  <a:schemeClr val="accent2">
+                    <a:lumMod val="50000"/>
+                  </a:schemeClr>
+                </a:solidFill>
+                <a:latin typeface="Cambria" panose="02040503050406030204" pitchFamily="18" charset="0"/>
+                <a:ea typeface="Cambria" panose="02040503050406030204" pitchFamily="18" charset="0"/>
+              </a:rPr>
+              <a:t>+ B1: Thọ tạo branch master</a:t>
+            </a:r>
+          </a:p>
+          <a:p>
+            <a:r>
+              <a:rPr lang="vi-VN" sz="2500" b="1" dirty="0">
+                <a:solidFill>
+                  <a:schemeClr val="accent2">
+                    <a:lumMod val="50000"/>
+                  </a:schemeClr>
+                </a:solidFill>
+                <a:latin typeface="Cambria" panose="02040503050406030204" pitchFamily="18" charset="0"/>
+                <a:ea typeface="Cambria" panose="02040503050406030204" pitchFamily="18" charset="0"/>
+              </a:rPr>
+              <a:t>+ B2: Push branch master lên</a:t>
+            </a:r>
+          </a:p>
+          <a:p>
+            <a:r>
+              <a:rPr lang="vi-VN" sz="2500" b="1" dirty="0">
+                <a:solidFill>
+                  <a:schemeClr val="accent2">
+                    <a:lumMod val="50000"/>
+                  </a:schemeClr>
+                </a:solidFill>
+                <a:latin typeface="Cambria" panose="02040503050406030204" pitchFamily="18" charset="0"/>
+                <a:ea typeface="Cambria" panose="02040503050406030204" pitchFamily="18" charset="0"/>
+              </a:rPr>
+              <a:t>+ B3: Bình, Đức pull master về và push nhánh lên</a:t>
+            </a:r>
+          </a:p>
+          <a:p>
+            <a:r>
+              <a:rPr lang="vi-VN" sz="2500" b="1" dirty="0">
+                <a:solidFill>
+                  <a:schemeClr val="accent2">
+                    <a:lumMod val="50000"/>
+                  </a:schemeClr>
+                </a:solidFill>
+                <a:latin typeface="Cambria" panose="02040503050406030204" pitchFamily="18" charset="0"/>
+                <a:ea typeface="Cambria" panose="02040503050406030204" pitchFamily="18" charset="0"/>
+              </a:rPr>
+              <a:t>+ B4: Thọ “git pull” và merge bình thường</a:t>
+            </a:r>
+          </a:p>
+        </p:txBody>
+      </p:sp>
+      <p:sp>
+        <p:nvSpPr>
+          <p:cNvPr id="3" name="TextBox 2">
+            <a:extLst>
+              <a:ext uri="{FF2B5EF4-FFF2-40B4-BE49-F238E27FC236}">
+                <a16:creationId xmlns:a16="http://schemas.microsoft.com/office/drawing/2014/main" id="{D4778F08-DCD5-4E28-BD31-E6506AAEAF2A}"/>
+              </a:ext>
+            </a:extLst>
+          </p:cNvPr>
+          <p:cNvSpPr txBox="1"/>
+          <p:nvPr/>
+        </p:nvSpPr>
+        <p:spPr>
+          <a:xfrm>
+            <a:off x="4419600" y="734199"/>
+            <a:ext cx="4114800" cy="553998"/>
+          </a:xfrm>
+          <a:prstGeom prst="rect">
+            <a:avLst/>
+          </a:prstGeom>
+          <a:noFill/>
+        </p:spPr>
+        <p:txBody>
+          <a:bodyPr wrap="square" rtlCol="0">
+            <a:spAutoFit/>
+          </a:bodyPr>
+          <a:lstStyle/>
+          <a:p>
+            <a:r>
+              <a:rPr lang="en-US" sz="3000" b="1" dirty="0" err="1">
+                <a:solidFill>
+                  <a:schemeClr val="accent2">
+                    <a:lumMod val="50000"/>
+                  </a:schemeClr>
+                </a:solidFill>
+                <a:latin typeface="Cambria" panose="02040503050406030204" pitchFamily="18" charset="0"/>
+                <a:ea typeface="Cambria" panose="02040503050406030204" pitchFamily="18" charset="0"/>
+              </a:rPr>
+              <a:t>Làm</a:t>
+            </a:r>
+            <a:r>
+              <a:rPr lang="en-US" sz="3000" b="1" dirty="0">
+                <a:solidFill>
+                  <a:schemeClr val="accent2">
+                    <a:lumMod val="50000"/>
+                  </a:schemeClr>
+                </a:solidFill>
+                <a:latin typeface="Cambria" panose="02040503050406030204" pitchFamily="18" charset="0"/>
+                <a:ea typeface="Cambria" panose="02040503050406030204" pitchFamily="18" charset="0"/>
+              </a:rPr>
+              <a:t> </a:t>
+            </a:r>
+            <a:r>
+              <a:rPr lang="en-US" sz="3000" b="1" dirty="0" err="1">
+                <a:solidFill>
+                  <a:schemeClr val="accent2">
+                    <a:lumMod val="50000"/>
+                  </a:schemeClr>
+                </a:solidFill>
+                <a:latin typeface="Cambria" panose="02040503050406030204" pitchFamily="18" charset="0"/>
+                <a:ea typeface="Cambria" panose="02040503050406030204" pitchFamily="18" charset="0"/>
+              </a:rPr>
+              <a:t>việc</a:t>
+            </a:r>
+            <a:r>
+              <a:rPr lang="en-US" sz="3000" b="1" dirty="0">
+                <a:solidFill>
+                  <a:schemeClr val="accent2">
+                    <a:lumMod val="50000"/>
+                  </a:schemeClr>
+                </a:solidFill>
+                <a:latin typeface="Cambria" panose="02040503050406030204" pitchFamily="18" charset="0"/>
+                <a:ea typeface="Cambria" panose="02040503050406030204" pitchFamily="18" charset="0"/>
+              </a:rPr>
+              <a:t> </a:t>
+            </a:r>
+            <a:r>
+              <a:rPr lang="en-US" sz="3000" b="1" dirty="0" err="1">
+                <a:solidFill>
+                  <a:schemeClr val="accent2">
+                    <a:lumMod val="50000"/>
+                  </a:schemeClr>
+                </a:solidFill>
+                <a:latin typeface="Cambria" panose="02040503050406030204" pitchFamily="18" charset="0"/>
+                <a:ea typeface="Cambria" panose="02040503050406030204" pitchFamily="18" charset="0"/>
+              </a:rPr>
+              <a:t>nhóm</a:t>
+            </a:r>
+            <a:endParaRPr lang="vi-VN" sz="3000" b="1" dirty="0">
+              <a:solidFill>
+                <a:schemeClr val="accent2">
+                  <a:lumMod val="50000"/>
+                </a:schemeClr>
+              </a:solidFill>
+              <a:latin typeface="Cambria" panose="02040503050406030204" pitchFamily="18" charset="0"/>
+              <a:ea typeface="Cambria" panose="02040503050406030204" pitchFamily="18" charset="0"/>
+            </a:endParaRPr>
+          </a:p>
+        </p:txBody>
+      </p:sp>
+    </p:spTree>
+    <p:extLst>
+      <p:ext uri="{BB962C8B-B14F-4D97-AF65-F5344CB8AC3E}">
+        <p14:creationId xmlns:p14="http://schemas.microsoft.com/office/powerpoint/2010/main" val="977609362"/>
+      </p:ext>
+    </p:extLst>
+  </p:cSld>
+  <p:clrMapOvr>
+    <a:masterClrMapping/>
+  </p:clrMapOvr>
+  <mc:AlternateContent xmlns:mc="http://schemas.openxmlformats.org/markup-compatibility/2006">
+    <mc:Choice xmlns:p14="http://schemas.microsoft.com/office/powerpoint/2010/main" Requires="p14">
+      <p:transition spd="med" p14:dur="700">
+        <p:fade/>
+      </p:transition>
+    </mc:Choice>
+    <mc:Fallback>
+      <p:transition spd="med">
+        <p:fade/>
+      </p:transition>
+    </mc:Fallback>
+  </mc:AlternateContent>
+</p:sld>
+</file>
+
+<file path=ppt/slides/slide43.xml><?xml version="1.0" encoding="utf-8"?>
 <p:sld xmlns:a="http://schemas.openxmlformats.org/drawingml/2006/main" xmlns:r="http://schemas.openxmlformats.org/officeDocument/2006/relationships" xmlns:p="http://schemas.openxmlformats.org/presentationml/2006/main">
   <p:cSld>
     <p:spTree>
@@ -30747,6 +30951,15 @@
 </file>
 
 <file path=customXml/item1.xml><?xml version="1.0" encoding="utf-8"?>
+<?mso-contentType ?>
+<FormTemplates xmlns="http://schemas.microsoft.com/sharepoint/v3/contenttype/forms">
+  <Display>DocumentLibraryForm</Display>
+  <Edit>DocumentLibraryForm</Edit>
+  <New>DocumentLibraryForm</New>
+</FormTemplates>
+</file>
+
+<file path=customXml/item2.xml><?xml version="1.0" encoding="utf-8"?>
 <p:properties xmlns:p="http://schemas.microsoft.com/office/2006/metadata/properties" xmlns:xsi="http://www.w3.org/2001/XMLSchema-instance" xmlns:pc="http://schemas.microsoft.com/office/infopath/2007/PartnerControls">
   <documentManagement>
     <VSO_x0020_item_x0020_id xmlns="40262f94-9f35-4ac3-9a90-690165a166b7" xsi:nil="true"/>
@@ -30755,15 +30968,6 @@
     <Template_x0020_details xmlns="40262f94-9f35-4ac3-9a90-690165a166b7" xsi:nil="true"/>
   </documentManagement>
 </p:properties>
-</file>
-
-<file path=customXml/item2.xml><?xml version="1.0" encoding="utf-8"?>
-<?mso-contentType ?>
-<FormTemplates xmlns="http://schemas.microsoft.com/sharepoint/v3/contenttype/forms">
-  <Display>DocumentLibraryForm</Display>
-  <Edit>DocumentLibraryForm</Edit>
-  <New>DocumentLibraryForm</New>
-</FormTemplates>
 </file>
 
 <file path=customXml/item3.xml><?xml version="1.0" encoding="utf-8"?>
@@ -30948,6 +31152,14 @@
 </file>
 
 <file path=customXml/itemProps1.xml><?xml version="1.0" encoding="utf-8"?>
+<ds:datastoreItem xmlns:ds="http://schemas.openxmlformats.org/officeDocument/2006/customXml" ds:itemID="{9EDF6667-B669-49A4-BBE6-2132BA71C0C7}">
+  <ds:schemaRefs>
+    <ds:schemaRef ds:uri="http://schemas.microsoft.com/sharepoint/v3/contenttype/forms"/>
+  </ds:schemaRefs>
+</ds:datastoreItem>
+</file>
+
+<file path=customXml/itemProps2.xml><?xml version="1.0" encoding="utf-8"?>
 <ds:datastoreItem xmlns:ds="http://schemas.openxmlformats.org/officeDocument/2006/customXml" ds:itemID="{1DA15C6C-6BB6-4DB6-B7D6-7F14EAB2CC5C}">
   <ds:schemaRefs>
     <ds:schemaRef ds:uri="http://purl.org/dc/elements/1.1/"/>
@@ -30960,14 +31172,6 @@
     <ds:schemaRef ds:uri="a4f35948-e619-41b3-aa29-22878b09cfd2"/>
     <ds:schemaRef ds:uri="http://www.w3.org/XML/1998/namespace"/>
     <ds:schemaRef ds:uri="http://purl.org/dc/dcmitype/"/>
-  </ds:schemaRefs>
-</ds:datastoreItem>
-</file>
-
-<file path=customXml/itemProps2.xml><?xml version="1.0" encoding="utf-8"?>
-<ds:datastoreItem xmlns:ds="http://schemas.openxmlformats.org/officeDocument/2006/customXml" ds:itemID="{9EDF6667-B669-49A4-BBE6-2132BA71C0C7}">
-  <ds:schemaRefs>
-    <ds:schemaRef ds:uri="http://schemas.microsoft.com/sharepoint/v3/contenttype/forms"/>
   </ds:schemaRefs>
 </ds:datastoreItem>
 </file>
